--- a/OutputFiles/CubeQuery1.pptx
+++ b/OutputFiles/CubeQuery1.pptx
@@ -4341,7 +4341,7 @@
       </p:pic>
       <p:pic>
         <p:nvPicPr>
-          <p:cNvPr id="4" name="JBAG51DG5.wav">
+          <p:cNvPr id="4" name="C6X89US.wav">
             <a:hlinkClick r:id="" action="ppaction://media"/>
           </p:cNvPr>
           <p:cNvPicPr>
@@ -5186,7 +5186,7 @@
       </p:graphicFrame>
       <p:pic>
         <p:nvPicPr>
-          <p:cNvPr id="4" name="QVMMZB1.wav">
+          <p:cNvPr id="4" name="7S15R42.wav">
             <a:hlinkClick r:id="" action="ppaction://media"/>
           </p:cNvPr>
           <p:cNvPicPr>
@@ -5497,7 +5497,7 @@
       </p:sp>
       <p:pic>
         <p:nvPicPr>
-          <p:cNvPr id="4" name="80KRIHYK.wav">
+          <p:cNvPr id="4" name="60A4I.wav">
             <a:hlinkClick r:id="" action="ppaction://media"/>
           </p:cNvPr>
           <p:cNvPicPr>
@@ -6342,7 +6342,7 @@
       </p:graphicFrame>
       <p:pic>
         <p:nvPicPr>
-          <p:cNvPr id="4" name="EW2UX1R.wav">
+          <p:cNvPr id="4" name="KYSGO.wav">
             <a:hlinkClick r:id="" action="ppaction://media"/>
           </p:cNvPr>
           <p:cNvPicPr>
@@ -7029,7 +7029,7 @@
       </p:graphicFrame>
       <p:pic>
         <p:nvPicPr>
-          <p:cNvPr id="4" name="7Q8G3O1.wav">
+          <p:cNvPr id="4" name="8HDGLU.wav">
             <a:hlinkClick r:id="" action="ppaction://media"/>
           </p:cNvPr>
           <p:cNvPicPr>
@@ -7330,7 +7330,7 @@
       </p:sp>
       <p:pic>
         <p:nvPicPr>
-          <p:cNvPr id="4" name="N35DI3.wav">
+          <p:cNvPr id="4" name="S1O894AH.wav">
             <a:hlinkClick r:id="" action="ppaction://media"/>
           </p:cNvPr>
           <p:cNvPicPr>

--- a/OutputFiles/CubeQuery1.pptx
+++ b/OutputFiles/CubeQuery1.pptx
@@ -536,7 +536,7 @@
           <a:p>
             <a:r>
               <a:rPr lang="en-US" smtClean="0"/>
-              <a:t>This is a report on the Avg of work hours per week when occupation is fixed to 'Other' and marital is fixed to 'Partner-absent'. We will start by answering the original query and we complement the result with contextualization and detailed analyses.</a:t>
+              <a:t>This is a report on the Avg of hours_per_week when occupation is fixed to 'Other' and marital is fixed to 'Partner-absent'. We will start by answering the original query and we complement the result with contextualization and detailed analyses.</a:t>
             </a:r>
             <a:endParaRPr lang="en-US"/>
           </a:p>
@@ -624,7 +624,7 @@
           <a:p>
             <a:r>
               <a:rPr lang="en-US" smtClean="0"/>
-              <a:t>Here, you can see the answer of the original query. You have specified occupation to be equal to 'Other', and marital to be equal to 'Partner-absent'. We report on Avg of work hours per week grouped by occupation at level 0, and marital at level 0 .
+              <a:t>Here, you can see the answer of the original query. You have specified occupation to be equal to 'Other', and marital to be equal to 'Partner-absent'. We report on Avg of hours_per_week grouped by occupation at level 0, and marital at level 0 .
 You can observe the results in this table. We highlight the largest values with red and the lowest values with blue color. 
 Column Farming-fishing has 2 of the 3 highest values.
 Column Other-service has 2 of the 3 lowest values.
@@ -809,7 +809,7 @@
           <a:p>
             <a:r>
               <a:rPr lang="en-US" smtClean="0"/>
-              <a:t>In this graphic, we put the original request in context by comparing the value 'Other' for occupation at level 1 with its sibling values. We highlight the reference cells with bold, the highest values with red and the lowest values with blue color. We calculate the Avg of work hours per week while fixing occupation at level 2 to be equal to ''ALL'', and marital at level 1 to be equal to ''Partner-absent''.
+              <a:t>In this graphic, we put the original request in context by comparing the value 'Other' for occupation at level 1 with its sibling values. We highlight the reference cells with bold, the highest values with red and the lowest values with blue color. We calculate the Avg of hours_per_week while fixing occupation at level 2 to be equal to ''ALL'', and marital at level 1 to be equal to ''Partner-absent''.
 Compared to its sibling we observe the following:
 In 4 out of 4 cases Other has lower value than Blue-collar.
 In 4 out of 4 cases Other has lower value than white-collar.
@@ -901,7 +901,7 @@
           <a:p>
             <a:r>
               <a:rPr lang="en-US" smtClean="0"/>
-              <a:t>In this graphic, we put the original request in context by comparing the value 'Partner-absent' for marital at level 1 with its sibling values. We highlight the reference cells with bold, the highest value with red and the lowest value with blue color. We calculate the Avg of work hours per week while fixing occupation at level 1 to be equal to ''Other'', and marital at level 2 to be equal to ''Married''.
+              <a:t>In this graphic, we put the original request in context by comparing the value 'Partner-absent' for marital at level 1 with its sibling values. We highlight the reference cells with bold, the highest value with red and the lowest value with blue color. We calculate the Avg of hours_per_week while fixing occupation at level 1 to be equal to ''Other'', and marital at level 2 to be equal to ''Married''.
 Compared to its sibling we observe that in 3 out of 4 cases Partner-absent has a lower value than Partner-present.
 In 1 out of 4 cases Partner-present has null value.
 </a:t>
@@ -4310,7 +4310,7 @@
             <a:pPr algn="just"/>
             <a:r>
               <a:rPr lang="en-US" b="false" sz="2000"/>
-              <a:t>This is a report on the Avg of work hours per week when occupation is fixed to 'Other' and marital is fixed to 'Partner-absent'. We will start by answering the original query and we complement the result with contextualization and detailed analyses.</a:t>
+              <a:t>This is a report on the Avg of hours_per_week when occupation is fixed to 'Other' and marital is fixed to 'Partner-absent'. We will start by answering the original query and we complement the result with contextualization and detailed analyses.</a:t>
             </a:r>
           </a:p>
         </p:txBody>
@@ -4341,7 +4341,7 @@
       </p:pic>
       <p:pic>
         <p:nvPicPr>
-          <p:cNvPr id="4" name="C6X89US.wav">
+          <p:cNvPr id="4" name="7MZ7V.wav">
             <a:hlinkClick r:id="" action="ppaction://media"/>
           </p:cNvPr>
           <p:cNvPicPr>
@@ -5186,7 +5186,7 @@
       </p:graphicFrame>
       <p:pic>
         <p:nvPicPr>
-          <p:cNvPr id="4" name="7S15R42.wav">
+          <p:cNvPr id="4" name="7B467H.wav">
             <a:hlinkClick r:id="" action="ppaction://media"/>
           </p:cNvPr>
           <p:cNvPicPr>
@@ -5497,7 +5497,7 @@
       </p:sp>
       <p:pic>
         <p:nvPicPr>
-          <p:cNvPr id="4" name="60A4I.wav">
+          <p:cNvPr id="4" name="B33CRX.wav">
             <a:hlinkClick r:id="" action="ppaction://media"/>
           </p:cNvPr>
           <p:cNvPicPr>
@@ -6342,7 +6342,7 @@
       </p:graphicFrame>
       <p:pic>
         <p:nvPicPr>
-          <p:cNvPr id="4" name="KYSGO.wav">
+          <p:cNvPr id="4" name="48F0PPSK.wav">
             <a:hlinkClick r:id="" action="ppaction://media"/>
           </p:cNvPr>
           <p:cNvPicPr>
@@ -7029,7 +7029,7 @@
       </p:graphicFrame>
       <p:pic>
         <p:nvPicPr>
-          <p:cNvPr id="4" name="8HDGLU.wav">
+          <p:cNvPr id="4" name="USTAAH.wav">
             <a:hlinkClick r:id="" action="ppaction://media"/>
           </p:cNvPr>
           <p:cNvPicPr>
@@ -7232,6 +7232,13 @@
             <a:pPr lvl="0"/>
             <a:r>
               <a:rPr lang="en-US" b="false" sz="1400"/>
+              <a:t>In this slide we summarize our findings.</a:t>
+            </a:r>
+          </a:p>
+          <a:p>
+            <a:pPr lvl="1"/>
+            <a:r>
+              <a:rPr lang="en-US" b="false" sz="1400"/>
               <a:t>Concerning the original query, some interesting findings include:</a:t>
             </a:r>
           </a:p>
@@ -7278,7 +7285,21 @@
             </a:r>
           </a:p>
           <a:p>
-            <a:pPr lvl="0"/>
+            <a:pPr lvl="1"/>
+            <a:r>
+              <a:rPr lang="en-US" b="false" sz="1400"/>
+              <a:t/>
+            </a:r>
+          </a:p>
+          <a:p>
+            <a:pPr lvl="1"/>
+            <a:r>
+              <a:rPr lang="en-US" b="false" sz="1400"/>
+              <a:t/>
+            </a:r>
+          </a:p>
+          <a:p>
+            <a:pPr lvl="1"/>
             <a:r>
               <a:rPr lang="en-US" b="false" sz="1400"/>
               <a:t>First, we tried to put the original result in context, by comparing its defining values with similar ones.</a:t>
@@ -7292,14 +7313,21 @@
             </a:r>
           </a:p>
           <a:p>
-            <a:pPr lvl="2"/>
+            <a:pPr lvl="1"/>
+            <a:r>
+              <a:rPr lang="en-US" b="false" sz="1400"/>
+              <a:t/>
+            </a:r>
+          </a:p>
+          <a:p>
+            <a:pPr lvl="1"/>
             <a:r>
               <a:rPr lang="en-US" b="false" sz="1400"/>
               <a:t>In 4 out of 4 cases Other has lower value than Blue-collar.</a:t>
             </a:r>
           </a:p>
           <a:p>
-            <a:pPr lvl="2"/>
+            <a:pPr lvl="1"/>
             <a:r>
               <a:rPr lang="en-US" b="false" sz="1400"/>
               <a:t>In 4 out of 4 cases Other has lower value than white-collar.</a:t>
@@ -7313,14 +7341,14 @@
             </a:r>
           </a:p>
           <a:p>
-            <a:pPr lvl="2"/>
+            <a:pPr lvl="1"/>
             <a:r>
               <a:rPr lang="en-US" b="false" sz="1400"/>
               <a:t>In 3 out of 4 cases Partner-absent has a lower value than Partner-present.</a:t>
             </a:r>
           </a:p>
           <a:p>
-            <a:pPr lvl="2"/>
+            <a:pPr lvl="1"/>
             <a:r>
               <a:rPr lang="en-US" b="false" sz="1400"/>
               <a:t>In 1 out of 4 cases Partner-present has null value.</a:t>
@@ -7330,7 +7358,7 @@
       </p:sp>
       <p:pic>
         <p:nvPicPr>
-          <p:cNvPr id="4" name="S1O894AH.wav">
+          <p:cNvPr id="4" name="Z91N4.wav">
             <a:hlinkClick r:id="" action="ppaction://media"/>
           </p:cNvPr>
           <p:cNvPicPr>
